--- a/Presentation_World_Happiness.pptx
+++ b/Presentation_World_Happiness.pptx
@@ -15,8 +15,8 @@
     <p:sldId id="272" r:id="rId6"/>
     <p:sldId id="261" r:id="rId7"/>
     <p:sldId id="270" r:id="rId8"/>
-    <p:sldId id="278" r:id="rId9"/>
-    <p:sldId id="262" r:id="rId10"/>
+    <p:sldId id="262" r:id="rId9"/>
+    <p:sldId id="278" r:id="rId10"/>
     <p:sldId id="269" r:id="rId11"/>
     <p:sldId id="273" r:id="rId12"/>
     <p:sldId id="274" r:id="rId13"/>
@@ -554,7 +554,7 @@
     </p:spTree>
     <p:extLst>
       <p:ext uri="{BB962C8B-B14F-4D97-AF65-F5344CB8AC3E}">
-        <p14:creationId xmlns:p14="http://schemas.microsoft.com/office/powerpoint/2010/main" val="1216103975"/>
+        <p14:creationId xmlns:p14="http://schemas.microsoft.com/office/powerpoint/2010/main" val="3556436464"/>
       </p:ext>
     </p:extLst>
   </p:cSld>
@@ -638,7 +638,163 @@
     </p:spTree>
     <p:extLst>
       <p:ext uri="{BB962C8B-B14F-4D97-AF65-F5344CB8AC3E}">
-        <p14:creationId xmlns:p14="http://schemas.microsoft.com/office/powerpoint/2010/main" val="3556436464"/>
+        <p14:creationId xmlns:p14="http://schemas.microsoft.com/office/powerpoint/2010/main" val="1216103975"/>
+      </p:ext>
+    </p:extLst>
+  </p:cSld>
+  <p:clrMapOvr>
+    <a:masterClrMapping/>
+  </p:clrMapOvr>
+</p:notes>
+</file>
+
+<file path=ppt/notesSlides/notesSlide3.xml><?xml version="1.0" encoding="utf-8"?>
+<p:notes xmlns:a="http://schemas.openxmlformats.org/drawingml/2006/main" xmlns:r="http://schemas.openxmlformats.org/officeDocument/2006/relationships" xmlns:p="http://schemas.openxmlformats.org/presentationml/2006/main">
+  <p:cSld>
+    <p:spTree>
+      <p:nvGrpSpPr>
+        <p:cNvPr id="1" name=""/>
+        <p:cNvGrpSpPr/>
+        <p:nvPr/>
+      </p:nvGrpSpPr>
+      <p:grpSpPr>
+        <a:xfrm>
+          <a:off x="0" y="0"/>
+          <a:ext cx="0" cy="0"/>
+          <a:chOff x="0" y="0"/>
+          <a:chExt cx="0" cy="0"/>
+        </a:xfrm>
+      </p:grpSpPr>
+      <p:sp>
+        <p:nvSpPr>
+          <p:cNvPr id="2" name="Slide Image Placeholder 1"/>
+          <p:cNvSpPr>
+            <a:spLocks noGrp="1" noRot="1" noChangeAspect="1"/>
+          </p:cNvSpPr>
+          <p:nvPr>
+            <p:ph type="sldImg"/>
+          </p:nvPr>
+        </p:nvSpPr>
+        <p:spPr/>
+      </p:sp>
+      <p:sp>
+        <p:nvSpPr>
+          <p:cNvPr id="3" name="Notes Placeholder 2"/>
+          <p:cNvSpPr>
+            <a:spLocks noGrp="1"/>
+          </p:cNvSpPr>
+          <p:nvPr>
+            <p:ph type="body" idx="1"/>
+          </p:nvPr>
+        </p:nvSpPr>
+        <p:spPr/>
+        <p:txBody>
+          <a:bodyPr/>
+          <a:lstStyle/>
+          <a:p>
+            <a:pPr algn="l"/>
+            <a:r>
+              <a:rPr lang="en-CA" b="0" i="1" dirty="0">
+                <a:effectLst/>
+                <a:latin typeface="-apple-system"/>
+              </a:rPr>
+              <a:t>Our data will be displayed using Tableau Public. </a:t>
+            </a:r>
+          </a:p>
+          <a:p>
+            <a:pPr algn="l"/>
+            <a:endParaRPr lang="en-CA" i="1" dirty="0">
+              <a:latin typeface="-apple-system"/>
+            </a:endParaRPr>
+          </a:p>
+          <a:p>
+            <a:pPr algn="l"/>
+            <a:r>
+              <a:rPr lang="en-CA" b="0" i="1" dirty="0">
+                <a:effectLst/>
+                <a:latin typeface="-apple-system"/>
+              </a:rPr>
+              <a:t>Our dashboard contains visualizations using data from Kaggle's 2006-2020 World Happiness Report dataset. </a:t>
+            </a:r>
+          </a:p>
+          <a:p>
+            <a:pPr algn="l"/>
+            <a:endParaRPr lang="en-CA" i="1" dirty="0">
+              <a:latin typeface="-apple-system"/>
+            </a:endParaRPr>
+          </a:p>
+          <a:p>
+            <a:pPr algn="l"/>
+            <a:r>
+              <a:rPr lang="en-CA" b="0" i="1" dirty="0">
+                <a:effectLst/>
+                <a:latin typeface="-apple-system"/>
+              </a:rPr>
+              <a:t>We chose to visualize data for the Happiness Score, Happiness Rank, Trust, Freedom to make life choices, Generosity, Perceptions of Corruption, </a:t>
+            </a:r>
+            <a:r>
+              <a:rPr lang="en-CA" i="1" dirty="0">
+                <a:latin typeface="-apple-system"/>
+              </a:rPr>
+              <a:t>Social Support </a:t>
+            </a:r>
+            <a:r>
+              <a:rPr lang="en-CA" b="0" i="1" dirty="0">
+                <a:effectLst/>
+                <a:latin typeface="-apple-system"/>
+              </a:rPr>
+              <a:t>and GDP </a:t>
+            </a:r>
+            <a:r>
+              <a:rPr lang="en-CA" i="1" dirty="0">
+                <a:latin typeface="-apple-system"/>
+              </a:rPr>
+              <a:t>per capita</a:t>
+            </a:r>
+            <a:r>
+              <a:rPr lang="en-CA" b="0" i="1" dirty="0">
+                <a:effectLst/>
+                <a:latin typeface="-apple-system"/>
+              </a:rPr>
+              <a:t> from the data sets. These data are consistent over time, and can be used to show trends in Happiness.</a:t>
+            </a:r>
+            <a:endParaRPr lang="en-CA" b="0" i="0" dirty="0">
+              <a:effectLst/>
+              <a:latin typeface="-apple-system"/>
+            </a:endParaRPr>
+          </a:p>
+          <a:p>
+            <a:endParaRPr lang="en-US" dirty="0"/>
+          </a:p>
+        </p:txBody>
+      </p:sp>
+      <p:sp>
+        <p:nvSpPr>
+          <p:cNvPr id="4" name="Slide Number Placeholder 3"/>
+          <p:cNvSpPr>
+            <a:spLocks noGrp="1"/>
+          </p:cNvSpPr>
+          <p:nvPr>
+            <p:ph type="sldNum" sz="quarter" idx="5"/>
+          </p:nvPr>
+        </p:nvSpPr>
+        <p:spPr/>
+        <p:txBody>
+          <a:bodyPr/>
+          <a:lstStyle/>
+          <a:p>
+            <a:fld id="{E0746DE6-3336-457D-A091-FA20AC1C536E}" type="slidenum">
+              <a:rPr lang="en-US" smtClean="0"/>
+              <a:t>16</a:t>
+            </a:fld>
+            <a:endParaRPr lang="en-US"/>
+          </a:p>
+        </p:txBody>
+      </p:sp>
+    </p:spTree>
+    <p:extLst>
+      <p:ext uri="{BB962C8B-B14F-4D97-AF65-F5344CB8AC3E}">
+        <p14:creationId xmlns:p14="http://schemas.microsoft.com/office/powerpoint/2010/main" val="974662961"/>
       </p:ext>
     </p:extLst>
   </p:cSld>
@@ -4326,167 +4482,6 @@
       </p:sp>
       <p:sp>
         <p:nvSpPr>
-          <p:cNvPr id="2" name="Title 1"/>
-          <p:cNvSpPr>
-            <a:spLocks noGrp="1"/>
-          </p:cNvSpPr>
-          <p:nvPr>
-            <p:ph type="ctrTitle"/>
-          </p:nvPr>
-        </p:nvSpPr>
-        <p:spPr>
-          <a:xfrm>
-            <a:off x="1480783" y="1686657"/>
-            <a:ext cx="9230434" cy="2764028"/>
-          </a:xfrm>
-        </p:spPr>
-        <p:txBody>
-          <a:bodyPr anchor="ctr">
-            <a:normAutofit/>
-          </a:bodyPr>
-          <a:lstStyle/>
-          <a:p>
-            <a:r>
-              <a:rPr lang="en-US" sz="8000" b="1" u="sng" dirty="0">
-                <a:latin typeface="APPLE CHANCERY" panose="03020702040506060504" pitchFamily="66" charset="-79"/>
-                <a:cs typeface="APPLE CHANCERY" panose="03020702040506060504" pitchFamily="66" charset="-79"/>
-              </a:rPr>
-              <a:t>World Happiness Project</a:t>
-            </a:r>
-          </a:p>
-        </p:txBody>
-      </p:sp>
-      <p:sp>
-        <p:nvSpPr>
-          <p:cNvPr id="3" name="Content Placeholder 2"/>
-          <p:cNvSpPr>
-            <a:spLocks noGrp="1"/>
-          </p:cNvSpPr>
-          <p:nvPr>
-            <p:ph type="subTitle" idx="1"/>
-          </p:nvPr>
-        </p:nvSpPr>
-        <p:spPr>
-          <a:xfrm>
-            <a:off x="5747342" y="5025958"/>
-            <a:ext cx="8258176" cy="1480058"/>
-          </a:xfrm>
-        </p:spPr>
-        <p:txBody>
-          <a:bodyPr anchor="ctr">
-            <a:normAutofit fontScale="25000" lnSpcReduction="20000"/>
-          </a:bodyPr>
-          <a:lstStyle/>
-          <a:p>
-            <a:pPr lvl="1">
-              <a:lnSpc>
-                <a:spcPct val="120000"/>
-              </a:lnSpc>
-              <a:spcBef>
-                <a:spcPts val="0"/>
-              </a:spcBef>
-            </a:pPr>
-            <a:r>
-              <a:rPr lang="en-US" sz="16000" i="1" dirty="0">
-                <a:latin typeface="APPLE CHANCERY" panose="03020702040506060504" pitchFamily="66" charset="-79"/>
-                <a:cs typeface="APPLE CHANCERY" panose="03020702040506060504" pitchFamily="66" charset="-79"/>
-              </a:rPr>
-              <a:t>Team members:</a:t>
-            </a:r>
-          </a:p>
-          <a:p>
-            <a:pPr lvl="1">
-              <a:lnSpc>
-                <a:spcPct val="120000"/>
-              </a:lnSpc>
-              <a:spcBef>
-                <a:spcPts val="0"/>
-              </a:spcBef>
-            </a:pPr>
-            <a:r>
-              <a:rPr lang="en-US" sz="8000" dirty="0"/>
-              <a:t>Mirta </a:t>
-            </a:r>
-            <a:r>
-              <a:rPr lang="en-US" sz="8000" dirty="0" err="1"/>
-              <a:t>Lucic</a:t>
-            </a:r>
-            <a:endParaRPr lang="en-US" sz="8000" dirty="0"/>
-          </a:p>
-          <a:p>
-            <a:pPr lvl="1">
-              <a:lnSpc>
-                <a:spcPct val="120000"/>
-              </a:lnSpc>
-              <a:spcBef>
-                <a:spcPts val="0"/>
-              </a:spcBef>
-            </a:pPr>
-            <a:r>
-              <a:rPr lang="en-US" sz="8000" dirty="0" err="1"/>
-              <a:t>Maham</a:t>
-            </a:r>
-            <a:r>
-              <a:rPr lang="en-US" sz="8000" dirty="0"/>
-              <a:t> Afzal</a:t>
-            </a:r>
-          </a:p>
-          <a:p>
-            <a:pPr lvl="1">
-              <a:lnSpc>
-                <a:spcPct val="120000"/>
-              </a:lnSpc>
-              <a:spcBef>
-                <a:spcPts val="0"/>
-              </a:spcBef>
-            </a:pPr>
-            <a:r>
-              <a:rPr lang="en-US" sz="8000" dirty="0" err="1"/>
-              <a:t>Trong</a:t>
-            </a:r>
-            <a:r>
-              <a:rPr lang="en-US" sz="8000" dirty="0"/>
-              <a:t> Nguyen</a:t>
-            </a:r>
-          </a:p>
-          <a:p>
-            <a:pPr lvl="1">
-              <a:lnSpc>
-                <a:spcPct val="120000"/>
-              </a:lnSpc>
-              <a:spcBef>
-                <a:spcPts val="0"/>
-              </a:spcBef>
-            </a:pPr>
-            <a:r>
-              <a:rPr lang="en-US" sz="8000" dirty="0"/>
-              <a:t>Oz </a:t>
-            </a:r>
-            <a:r>
-              <a:rPr lang="en-US" sz="8000" dirty="0" err="1"/>
-              <a:t>Garip</a:t>
-            </a:r>
-            <a:endParaRPr lang="en-US" sz="8000" dirty="0"/>
-          </a:p>
-          <a:p>
-            <a:pPr lvl="1">
-              <a:lnSpc>
-                <a:spcPct val="120000"/>
-              </a:lnSpc>
-              <a:spcBef>
-                <a:spcPts val="0"/>
-              </a:spcBef>
-            </a:pPr>
-            <a:endParaRPr lang="en-US" sz="4400" dirty="0"/>
-          </a:p>
-          <a:p>
-            <a:pPr algn="l"/>
-            <a:endParaRPr sz="2800" dirty="0"/>
-          </a:p>
-        </p:txBody>
-      </p:sp>
-      <p:sp>
-        <p:nvSpPr>
           <p:cNvPr id="15" name="Rectangle 14">
             <a:extLst>
               <a:ext uri="{FF2B5EF4-FFF2-40B4-BE49-F238E27FC236}">
@@ -4574,6 +4569,214 @@
               <a:ea typeface="+mn-ea"/>
               <a:cs typeface="+mn-cs"/>
             </a:endParaRPr>
+          </a:p>
+        </p:txBody>
+      </p:sp>
+      <p:pic>
+        <p:nvPicPr>
+          <p:cNvPr id="1026" name="Picture 2" descr="18,200+ World Happiness Day Illustrations, Royalty-Free Vector Graphics &amp; Clip  Art - iStock">
+            <a:extLst>
+              <a:ext uri="{FF2B5EF4-FFF2-40B4-BE49-F238E27FC236}">
+                <a16:creationId xmlns:a16="http://schemas.microsoft.com/office/drawing/2014/main" id="{81AACD91-97F4-4BA2-7C41-90727152DE40}"/>
+              </a:ext>
+            </a:extLst>
+          </p:cNvPr>
+          <p:cNvPicPr>
+            <a:picLocks noChangeAspect="1" noChangeArrowheads="1"/>
+          </p:cNvPicPr>
+          <p:nvPr/>
+        </p:nvPicPr>
+        <p:blipFill>
+          <a:blip r:embed="rId2">
+            <a:extLst>
+              <a:ext uri="{28A0092B-C50C-407E-A947-70E740481C1C}">
+                <a14:useLocalDpi xmlns:a14="http://schemas.microsoft.com/office/drawing/2010/main" val="0"/>
+              </a:ext>
+            </a:extLst>
+          </a:blip>
+          <a:srcRect/>
+          <a:stretch>
+            <a:fillRect/>
+          </a:stretch>
+        </p:blipFill>
+        <p:spPr bwMode="auto">
+          <a:xfrm>
+            <a:off x="2341418" y="1524000"/>
+            <a:ext cx="7606146" cy="5334000"/>
+          </a:xfrm>
+          <a:prstGeom prst="rect">
+            <a:avLst/>
+          </a:prstGeom>
+          <a:noFill/>
+          <a:extLst>
+            <a:ext uri="{909E8E84-426E-40DD-AFC4-6F175D3DCCD1}">
+              <a14:hiddenFill xmlns:a14="http://schemas.microsoft.com/office/drawing/2010/main">
+                <a:solidFill>
+                  <a:srgbClr val="FFFFFF"/>
+                </a:solidFill>
+              </a14:hiddenFill>
+            </a:ext>
+          </a:extLst>
+        </p:spPr>
+      </p:pic>
+      <p:sp>
+        <p:nvSpPr>
+          <p:cNvPr id="3" name="Content Placeholder 2"/>
+          <p:cNvSpPr>
+            <a:spLocks noGrp="1"/>
+          </p:cNvSpPr>
+          <p:nvPr>
+            <p:ph type="subTitle" idx="1"/>
+          </p:nvPr>
+        </p:nvSpPr>
+        <p:spPr>
+          <a:xfrm>
+            <a:off x="6096000" y="5203571"/>
+            <a:ext cx="8258176" cy="1480058"/>
+          </a:xfrm>
+        </p:spPr>
+        <p:txBody>
+          <a:bodyPr anchor="ctr">
+            <a:normAutofit fontScale="25000" lnSpcReduction="20000"/>
+          </a:bodyPr>
+          <a:lstStyle/>
+          <a:p>
+            <a:pPr lvl="1">
+              <a:lnSpc>
+                <a:spcPct val="120000"/>
+              </a:lnSpc>
+              <a:spcBef>
+                <a:spcPts val="0"/>
+              </a:spcBef>
+            </a:pPr>
+            <a:r>
+              <a:rPr lang="en-US" sz="16000" i="1" dirty="0">
+                <a:latin typeface="APPLE CHANCERY" panose="03020702040506060504" pitchFamily="66" charset="-79"/>
+                <a:cs typeface="APPLE CHANCERY" panose="03020702040506060504" pitchFamily="66" charset="-79"/>
+              </a:rPr>
+              <a:t>Team members:</a:t>
+            </a:r>
+          </a:p>
+          <a:p>
+            <a:pPr lvl="1">
+              <a:lnSpc>
+                <a:spcPct val="120000"/>
+              </a:lnSpc>
+              <a:spcBef>
+                <a:spcPts val="0"/>
+              </a:spcBef>
+            </a:pPr>
+            <a:r>
+              <a:rPr lang="en-US" sz="8000" dirty="0"/>
+              <a:t>Mirta </a:t>
+            </a:r>
+            <a:r>
+              <a:rPr lang="en-US" sz="8000" dirty="0" err="1"/>
+              <a:t>Lucic</a:t>
+            </a:r>
+            <a:endParaRPr lang="en-US" sz="8000" dirty="0"/>
+          </a:p>
+          <a:p>
+            <a:pPr lvl="1">
+              <a:lnSpc>
+                <a:spcPct val="120000"/>
+              </a:lnSpc>
+              <a:spcBef>
+                <a:spcPts val="0"/>
+              </a:spcBef>
+            </a:pPr>
+            <a:r>
+              <a:rPr lang="en-US" sz="8000" dirty="0" err="1"/>
+              <a:t>Maham</a:t>
+            </a:r>
+            <a:r>
+              <a:rPr lang="en-US" sz="8000" dirty="0"/>
+              <a:t> Afzal</a:t>
+            </a:r>
+          </a:p>
+          <a:p>
+            <a:pPr lvl="1">
+              <a:lnSpc>
+                <a:spcPct val="120000"/>
+              </a:lnSpc>
+              <a:spcBef>
+                <a:spcPts val="0"/>
+              </a:spcBef>
+            </a:pPr>
+            <a:r>
+              <a:rPr lang="en-US" sz="8000" dirty="0" err="1"/>
+              <a:t>Trong</a:t>
+            </a:r>
+            <a:r>
+              <a:rPr lang="en-US" sz="8000" dirty="0"/>
+              <a:t> Nguyen</a:t>
+            </a:r>
+          </a:p>
+          <a:p>
+            <a:pPr lvl="1">
+              <a:lnSpc>
+                <a:spcPct val="120000"/>
+              </a:lnSpc>
+              <a:spcBef>
+                <a:spcPts val="0"/>
+              </a:spcBef>
+            </a:pPr>
+            <a:r>
+              <a:rPr lang="en-US" sz="8000" dirty="0"/>
+              <a:t>Oz </a:t>
+            </a:r>
+            <a:r>
+              <a:rPr lang="en-US" sz="8000" dirty="0" err="1"/>
+              <a:t>Garip</a:t>
+            </a:r>
+            <a:endParaRPr lang="en-US" sz="8000" dirty="0"/>
+          </a:p>
+          <a:p>
+            <a:pPr lvl="1">
+              <a:lnSpc>
+                <a:spcPct val="120000"/>
+              </a:lnSpc>
+              <a:spcBef>
+                <a:spcPts val="0"/>
+              </a:spcBef>
+            </a:pPr>
+            <a:endParaRPr lang="en-US" sz="4400" dirty="0"/>
+          </a:p>
+          <a:p>
+            <a:pPr algn="l"/>
+            <a:endParaRPr sz="2800" dirty="0"/>
+          </a:p>
+        </p:txBody>
+      </p:sp>
+      <p:sp>
+        <p:nvSpPr>
+          <p:cNvPr id="2" name="Title 1"/>
+          <p:cNvSpPr>
+            <a:spLocks noGrp="1"/>
+          </p:cNvSpPr>
+          <p:nvPr>
+            <p:ph type="ctrTitle"/>
+          </p:nvPr>
+        </p:nvSpPr>
+        <p:spPr>
+          <a:xfrm>
+            <a:off x="1360941" y="351984"/>
+            <a:ext cx="9230434" cy="2764028"/>
+          </a:xfrm>
+        </p:spPr>
+        <p:txBody>
+          <a:bodyPr anchor="ctr">
+            <a:normAutofit/>
+          </a:bodyPr>
+          <a:lstStyle/>
+          <a:p>
+            <a:r>
+              <a:rPr lang="en-US" sz="8000" b="1" u="sng" dirty="0">
+                <a:latin typeface="APPLE CHANCERY" panose="03020702040506060504" pitchFamily="66" charset="-79"/>
+                <a:cs typeface="APPLE CHANCERY" panose="03020702040506060504" pitchFamily="66" charset="-79"/>
+              </a:rPr>
+              <a:t>World Happiness Project</a:t>
+            </a:r>
           </a:p>
         </p:txBody>
       </p:sp>
@@ -7283,7 +7486,7 @@
           <p:nvPr/>
         </p:nvPicPr>
         <p:blipFill>
-          <a:blip r:embed="rId2">
+          <a:blip r:embed="rId3">
             <a:extLst>
               <a:ext uri="{28A0092B-C50C-407E-A947-70E740481C1C}">
                 <a14:useLocalDpi xmlns:a14="http://schemas.microsoft.com/office/drawing/2010/main" val="0"/>
@@ -7650,7 +7853,7 @@
         </p:spPr>
         <p:txBody>
           <a:bodyPr anchor="ctr">
-            <a:normAutofit fontScale="92500" lnSpcReduction="10000"/>
+            <a:normAutofit fontScale="92500" lnSpcReduction="20000"/>
           </a:bodyPr>
           <a:lstStyle/>
           <a:p>
@@ -7690,6 +7893,13 @@
           </a:p>
           <a:p>
             <a:pPr algn="l"/>
+            <a:endParaRPr lang="en-CA" sz="2400" b="1" i="1" dirty="0">
+              <a:effectLst/>
+              <a:latin typeface="-apple-system"/>
+            </a:endParaRPr>
+          </a:p>
+          <a:p>
+            <a:pPr algn="l"/>
             <a:r>
               <a:rPr lang="en-CA" sz="2400" b="1" i="1" dirty="0">
                 <a:effectLst/>
@@ -7722,6 +7932,20 @@
               </a:rPr>
               <a:t>We recommended using additional years for the machine learning model.</a:t>
             </a:r>
+          </a:p>
+          <a:p>
+            <a:pPr marL="0" indent="0" algn="l">
+              <a:buNone/>
+            </a:pPr>
+            <a:endParaRPr lang="en-CA" sz="2400" b="0" i="0" dirty="0">
+              <a:solidFill>
+                <a:schemeClr val="accent1">
+                  <a:lumMod val="50000"/>
+                </a:schemeClr>
+              </a:solidFill>
+              <a:effectLst/>
+              <a:latin typeface="-apple-system"/>
+            </a:endParaRPr>
           </a:p>
           <a:p>
             <a:pPr algn="l"/>
@@ -8494,7 +8718,7 @@
         </p:spPr>
         <p:txBody>
           <a:bodyPr anchor="ctr">
-            <a:normAutofit fontScale="92500" lnSpcReduction="20000"/>
+            <a:normAutofit fontScale="92500" lnSpcReduction="10000"/>
           </a:bodyPr>
           <a:lstStyle/>
           <a:p>
@@ -8526,6 +8750,15 @@
           <a:p>
             <a:pPr algn="l"/>
             <a:r>
+              <a:rPr lang="en-US" dirty="0">
+                <a:solidFill>
+                  <a:srgbClr val="1F2328"/>
+                </a:solidFill>
+                <a:latin typeface="-apple-system"/>
+              </a:rPr>
+              <a:t>W</a:t>
+            </a:r>
+            <a:r>
               <a:rPr lang="en-US" b="0" i="0" dirty="0">
                 <a:solidFill>
                   <a:srgbClr val="1F2328"/>
@@ -8533,7 +8766,26 @@
                 <a:effectLst/>
                 <a:latin typeface="-apple-system"/>
               </a:rPr>
-              <a:t>Some questions we hoped to answers are what the overall happiest region is from years 2015-19 and what factors contribute to the happiest and least happiest regions in the world. </a:t>
+              <a:t>hat factors contribute to the happiest and least happiest regions in the world</a:t>
+            </a:r>
+            <a:r>
+              <a:rPr lang="en-US" dirty="0">
+                <a:solidFill>
+                  <a:srgbClr val="1F2328"/>
+                </a:solidFill>
+                <a:latin typeface="-apple-system"/>
+              </a:rPr>
+              <a:t>, specifically </a:t>
+            </a:r>
+            <a:r>
+              <a:rPr lang="en-US" b="0" i="0" dirty="0">
+                <a:solidFill>
+                  <a:srgbClr val="1F2328"/>
+                </a:solidFill>
+                <a:effectLst/>
+                <a:latin typeface="-apple-system"/>
+              </a:rPr>
+              <a:t>from years 2015-2019</a:t>
             </a:r>
           </a:p>
           <a:p>
@@ -10813,17 +11065,19 @@
       </p:sp>
       <p:pic>
         <p:nvPicPr>
-          <p:cNvPr id="14338" name="Picture 2" descr="SQL Join Tables Query">
-            <a:extLst>
-              <a:ext uri="{FF2B5EF4-FFF2-40B4-BE49-F238E27FC236}">
-                <a16:creationId xmlns:a16="http://schemas.microsoft.com/office/drawing/2014/main" id="{A21D1443-CFAC-27D9-D81C-73043BDC102F}"/>
+          <p:cNvPr id="1026" name="Picture 2" descr="SQL Database ERD">
+            <a:extLst>
+              <a:ext uri="{FF2B5EF4-FFF2-40B4-BE49-F238E27FC236}">
+                <a16:creationId xmlns:a16="http://schemas.microsoft.com/office/drawing/2014/main" id="{A3EDB110-D7F5-F2D6-D9B9-DD55EF71EF0C}"/>
               </a:ext>
             </a:extLst>
           </p:cNvPr>
           <p:cNvPicPr>
-            <a:picLocks noChangeAspect="1" noChangeArrowheads="1"/>
+            <a:picLocks noGrp="1" noChangeAspect="1" noChangeArrowheads="1"/>
           </p:cNvPicPr>
-          <p:nvPr/>
+          <p:nvPr>
+            <p:ph idx="1"/>
+          </p:nvPr>
         </p:nvPicPr>
         <p:blipFill>
           <a:blip r:embed="rId3">
@@ -10840,8 +11094,8 @@
         </p:blipFill>
         <p:spPr bwMode="auto">
           <a:xfrm>
-            <a:off x="4347333" y="0"/>
-            <a:ext cx="7841619" cy="6858000"/>
+            <a:off x="2647665" y="218364"/>
+            <a:ext cx="9212239" cy="5951216"/>
           </a:xfrm>
           <a:prstGeom prst="rect">
             <a:avLst/>
@@ -10858,10 +11112,52 @@
           </a:extLst>
         </p:spPr>
       </p:pic>
+      <p:sp>
+        <p:nvSpPr>
+          <p:cNvPr id="5" name="TextBox 4">
+            <a:extLst>
+              <a:ext uri="{FF2B5EF4-FFF2-40B4-BE49-F238E27FC236}">
+                <a16:creationId xmlns:a16="http://schemas.microsoft.com/office/drawing/2014/main" id="{CF3D008B-FFE2-0386-E960-5239D2BEF82A}"/>
+              </a:ext>
+            </a:extLst>
+          </p:cNvPr>
+          <p:cNvSpPr txBox="1"/>
+          <p:nvPr/>
+        </p:nvSpPr>
+        <p:spPr>
+          <a:xfrm>
+            <a:off x="867434" y="6354246"/>
+            <a:ext cx="7548330" cy="369332"/>
+          </a:xfrm>
+          <a:prstGeom prst="rect">
+            <a:avLst/>
+          </a:prstGeom>
+          <a:noFill/>
+        </p:spPr>
+        <p:txBody>
+          <a:bodyPr wrap="square" rtlCol="0">
+            <a:spAutoFit/>
+          </a:bodyPr>
+          <a:lstStyle/>
+          <a:p>
+            <a:r>
+              <a:rPr lang="en-US" b="0" i="0" dirty="0">
+                <a:solidFill>
+                  <a:srgbClr val="1F2328"/>
+                </a:solidFill>
+                <a:effectLst/>
+                <a:latin typeface="-apple-system"/>
+              </a:rPr>
+              <a:t>After we had cleaned our data, we created our SQL database in Postgres</a:t>
+            </a:r>
+            <a:endParaRPr lang="en-US" dirty="0"/>
+          </a:p>
+        </p:txBody>
+      </p:sp>
     </p:spTree>
     <p:extLst>
       <p:ext uri="{BB962C8B-B14F-4D97-AF65-F5344CB8AC3E}">
-        <p14:creationId xmlns:p14="http://schemas.microsoft.com/office/powerpoint/2010/main" val="934403607"/>
+        <p14:creationId xmlns:p14="http://schemas.microsoft.com/office/powerpoint/2010/main" val="3278385980"/>
       </p:ext>
     </p:extLst>
   </p:cSld>
@@ -11188,19 +11484,17 @@
       </p:sp>
       <p:pic>
         <p:nvPicPr>
-          <p:cNvPr id="1026" name="Picture 2" descr="SQL Database ERD">
-            <a:extLst>
-              <a:ext uri="{FF2B5EF4-FFF2-40B4-BE49-F238E27FC236}">
-                <a16:creationId xmlns:a16="http://schemas.microsoft.com/office/drawing/2014/main" id="{A3EDB110-D7F5-F2D6-D9B9-DD55EF71EF0C}"/>
+          <p:cNvPr id="14338" name="Picture 2" descr="SQL Join Tables Query">
+            <a:extLst>
+              <a:ext uri="{FF2B5EF4-FFF2-40B4-BE49-F238E27FC236}">
+                <a16:creationId xmlns:a16="http://schemas.microsoft.com/office/drawing/2014/main" id="{A21D1443-CFAC-27D9-D81C-73043BDC102F}"/>
               </a:ext>
             </a:extLst>
           </p:cNvPr>
           <p:cNvPicPr>
-            <a:picLocks noGrp="1" noChangeAspect="1" noChangeArrowheads="1"/>
+            <a:picLocks noChangeAspect="1" noChangeArrowheads="1"/>
           </p:cNvPicPr>
-          <p:nvPr>
-            <p:ph idx="1"/>
-          </p:nvPr>
+          <p:nvPr/>
         </p:nvPicPr>
         <p:blipFill>
           <a:blip r:embed="rId3">
@@ -11217,8 +11511,8 @@
         </p:blipFill>
         <p:spPr bwMode="auto">
           <a:xfrm>
-            <a:off x="2647665" y="218364"/>
-            <a:ext cx="9212239" cy="5951216"/>
+            <a:off x="4347333" y="0"/>
+            <a:ext cx="7841619" cy="6858000"/>
           </a:xfrm>
           <a:prstGeom prst="rect">
             <a:avLst/>
@@ -11235,52 +11529,10 @@
           </a:extLst>
         </p:spPr>
       </p:pic>
-      <p:sp>
-        <p:nvSpPr>
-          <p:cNvPr id="5" name="TextBox 4">
-            <a:extLst>
-              <a:ext uri="{FF2B5EF4-FFF2-40B4-BE49-F238E27FC236}">
-                <a16:creationId xmlns:a16="http://schemas.microsoft.com/office/drawing/2014/main" id="{CF3D008B-FFE2-0386-E960-5239D2BEF82A}"/>
-              </a:ext>
-            </a:extLst>
-          </p:cNvPr>
-          <p:cNvSpPr txBox="1"/>
-          <p:nvPr/>
-        </p:nvSpPr>
-        <p:spPr>
-          <a:xfrm>
-            <a:off x="867434" y="6354246"/>
-            <a:ext cx="7548330" cy="369332"/>
-          </a:xfrm>
-          <a:prstGeom prst="rect">
-            <a:avLst/>
-          </a:prstGeom>
-          <a:noFill/>
-        </p:spPr>
-        <p:txBody>
-          <a:bodyPr wrap="square" rtlCol="0">
-            <a:spAutoFit/>
-          </a:bodyPr>
-          <a:lstStyle/>
-          <a:p>
-            <a:r>
-              <a:rPr lang="en-US" b="0" i="0" dirty="0">
-                <a:solidFill>
-                  <a:srgbClr val="1F2328"/>
-                </a:solidFill>
-                <a:effectLst/>
-                <a:latin typeface="-apple-system"/>
-              </a:rPr>
-              <a:t>After we had cleaned our data, we created our SQL database in Postgres</a:t>
-            </a:r>
-            <a:endParaRPr lang="en-US" dirty="0"/>
-          </a:p>
-        </p:txBody>
-      </p:sp>
     </p:spTree>
     <p:extLst>
       <p:ext uri="{BB962C8B-B14F-4D97-AF65-F5344CB8AC3E}">
-        <p14:creationId xmlns:p14="http://schemas.microsoft.com/office/powerpoint/2010/main" val="3278385980"/>
+        <p14:creationId xmlns:p14="http://schemas.microsoft.com/office/powerpoint/2010/main" val="934403607"/>
       </p:ext>
     </p:extLst>
   </p:cSld>
